--- a/img/logosmall.pptx
+++ b/img/logosmall.pptx
@@ -104,11 +104,49 @@
       </a:defRPr>
     </a:lvl9pPr>
   </p:defaultTextStyle>
+  <p:extLst>
+    <p:ext uri="{EFAFB233-063F-42B5-8137-9DF3F51BA10A}">
+      <p15:sldGuideLst xmlns:p15="http://schemas.microsoft.com/office/powerpoint/2012/main"/>
+    </p:ext>
+  </p:extLst>
 </p:presentation>
 </file>
 
-<file path=ppt/revisionInfo.xml><?xml version="1.0" encoding="utf-8"?>
-<p1510:revInfo xmlns:a="http://schemas.openxmlformats.org/drawingml/2006/main" xmlns:r="http://schemas.openxmlformats.org/officeDocument/2006/relationships" xmlns:p1510="http://schemas.microsoft.com/office/powerpoint/2015/10/main"/>
+<file path=ppt/changesInfos/changesInfo1.xml><?xml version="1.0" encoding="utf-8"?>
+<pc:chgInfo xmlns:a="http://schemas.openxmlformats.org/drawingml/2006/main" xmlns:r="http://schemas.openxmlformats.org/officeDocument/2006/relationships" xmlns:ac="http://schemas.microsoft.com/office/drawing/2013/main/command" xmlns:pc="http://schemas.microsoft.com/office/powerpoint/2013/main/command">
+  <pc:docChgLst>
+    <pc:chgData name="Daniel Krieglstein" userId="678de85348457581" providerId="LiveId" clId="{49229E6F-2B27-4369-98C9-3C583A9981CA}"/>
+    <pc:docChg chg="undo modSld">
+      <pc:chgData name="Daniel Krieglstein" userId="678de85348457581" providerId="LiveId" clId="{49229E6F-2B27-4369-98C9-3C583A9981CA}" dt="2017-10-19T06:50:34.951" v="57" actId="113"/>
+      <pc:docMkLst>
+        <pc:docMk/>
+      </pc:docMkLst>
+      <pc:sldChg chg="modSp">
+        <pc:chgData name="Daniel Krieglstein" userId="678de85348457581" providerId="LiveId" clId="{49229E6F-2B27-4369-98C9-3C583A9981CA}" dt="2017-10-19T06:50:34.951" v="57" actId="113"/>
+        <pc:sldMkLst>
+          <pc:docMk/>
+          <pc:sldMk cId="3494344824" sldId="256"/>
+        </pc:sldMkLst>
+        <pc:spChg chg="mod">
+          <ac:chgData name="Daniel Krieglstein" userId="678de85348457581" providerId="LiveId" clId="{49229E6F-2B27-4369-98C9-3C583A9981CA}" dt="2017-10-19T06:48:46.613" v="50" actId="1076"/>
+          <ac:spMkLst>
+            <pc:docMk/>
+            <pc:sldMk cId="3494344824" sldId="256"/>
+            <ac:spMk id="4" creationId="{BA64D343-2943-4A23-8C98-14900009FB7E}"/>
+          </ac:spMkLst>
+        </pc:spChg>
+        <pc:spChg chg="mod">
+          <ac:chgData name="Daniel Krieglstein" userId="678de85348457581" providerId="LiveId" clId="{49229E6F-2B27-4369-98C9-3C583A9981CA}" dt="2017-10-19T06:50:34.951" v="57" actId="113"/>
+          <ac:spMkLst>
+            <pc:docMk/>
+            <pc:sldMk cId="3494344824" sldId="256"/>
+            <ac:spMk id="5" creationId="{D6A7A2F4-FC7D-4478-BCC2-5EB086CB0500}"/>
+          </ac:spMkLst>
+        </pc:spChg>
+      </pc:sldChg>
+    </pc:docChg>
+  </pc:docChgLst>
+</pc:chgInfo>
 </file>
 
 <file path=ppt/slideLayouts/slideLayout1.xml><?xml version="1.0" encoding="utf-8"?>
@@ -3396,7 +3434,7 @@
         </p:nvSpPr>
         <p:spPr>
           <a:xfrm>
-            <a:off x="3326674" y="2577737"/>
+            <a:off x="3261776" y="2626112"/>
             <a:ext cx="914400" cy="914400"/>
           </a:xfrm>
           <a:prstGeom prst="roundRect">
@@ -3405,9 +3443,7 @@
             </a:avLst>
           </a:prstGeom>
           <a:solidFill>
-            <a:srgbClr val="4267B2">
-              <a:alpha val="78000"/>
-            </a:srgbClr>
+            <a:srgbClr val="4267B2"/>
           </a:solidFill>
           <a:ln>
             <a:noFill/>
@@ -3452,8 +3488,8 @@
         </p:nvSpPr>
         <p:spPr>
           <a:xfrm>
-            <a:off x="3443500" y="2267704"/>
-            <a:ext cx="886781" cy="1631216"/>
+            <a:off x="3413870" y="2345763"/>
+            <a:ext cx="872355" cy="1600438"/>
           </a:xfrm>
           <a:prstGeom prst="rect">
             <a:avLst/>
@@ -3467,7 +3503,7 @@
           <a:lstStyle/>
           <a:p>
             <a:r>
-              <a:rPr lang="en-US" sz="10000" b="1" dirty="0">
+              <a:rPr lang="en-US" sz="9800" b="1" dirty="0">
                 <a:solidFill>
                   <a:schemeClr val="bg1"/>
                 </a:solidFill>

--- a/img/logosmall.pptx
+++ b/img/logosmall.pptx
@@ -116,19 +116,19 @@
 <pc:chgInfo xmlns:a="http://schemas.openxmlformats.org/drawingml/2006/main" xmlns:r="http://schemas.openxmlformats.org/officeDocument/2006/relationships" xmlns:ac="http://schemas.microsoft.com/office/drawing/2013/main/command" xmlns:pc="http://schemas.microsoft.com/office/powerpoint/2013/main/command">
   <pc:docChgLst>
     <pc:chgData name="Daniel Krieglstein" userId="678de85348457581" providerId="LiveId" clId="{49229E6F-2B27-4369-98C9-3C583A9981CA}"/>
-    <pc:docChg chg="undo modSld">
-      <pc:chgData name="Daniel Krieglstein" userId="678de85348457581" providerId="LiveId" clId="{49229E6F-2B27-4369-98C9-3C583A9981CA}" dt="2017-10-19T06:50:34.951" v="57" actId="113"/>
+    <pc:docChg chg="undo redo modSld">
+      <pc:chgData name="Daniel Krieglstein" userId="678de85348457581" providerId="LiveId" clId="{49229E6F-2B27-4369-98C9-3C583A9981CA}" dt="2017-10-19T07:00:36.182" v="95" actId="14100"/>
       <pc:docMkLst>
         <pc:docMk/>
       </pc:docMkLst>
       <pc:sldChg chg="modSp">
-        <pc:chgData name="Daniel Krieglstein" userId="678de85348457581" providerId="LiveId" clId="{49229E6F-2B27-4369-98C9-3C583A9981CA}" dt="2017-10-19T06:50:34.951" v="57" actId="113"/>
+        <pc:chgData name="Daniel Krieglstein" userId="678de85348457581" providerId="LiveId" clId="{49229E6F-2B27-4369-98C9-3C583A9981CA}" dt="2017-10-19T07:00:36.182" v="95" actId="14100"/>
         <pc:sldMkLst>
           <pc:docMk/>
           <pc:sldMk cId="3494344824" sldId="256"/>
         </pc:sldMkLst>
         <pc:spChg chg="mod">
-          <ac:chgData name="Daniel Krieglstein" userId="678de85348457581" providerId="LiveId" clId="{49229E6F-2B27-4369-98C9-3C583A9981CA}" dt="2017-10-19T06:48:46.613" v="50" actId="1076"/>
+          <ac:chgData name="Daniel Krieglstein" userId="678de85348457581" providerId="LiveId" clId="{49229E6F-2B27-4369-98C9-3C583A9981CA}" dt="2017-10-19T07:00:36.182" v="95" actId="14100"/>
           <ac:spMkLst>
             <pc:docMk/>
             <pc:sldMk cId="3494344824" sldId="256"/>
@@ -136,7 +136,7 @@
           </ac:spMkLst>
         </pc:spChg>
         <pc:spChg chg="mod">
-          <ac:chgData name="Daniel Krieglstein" userId="678de85348457581" providerId="LiveId" clId="{49229E6F-2B27-4369-98C9-3C583A9981CA}" dt="2017-10-19T06:50:34.951" v="57" actId="113"/>
+          <ac:chgData name="Daniel Krieglstein" userId="678de85348457581" providerId="LiveId" clId="{49229E6F-2B27-4369-98C9-3C583A9981CA}" dt="2017-10-19T06:59:14.217" v="92" actId="14100"/>
           <ac:spMkLst>
             <pc:docMk/>
             <pc:sldMk cId="3494344824" sldId="256"/>
@@ -3434,12 +3434,12 @@
         </p:nvSpPr>
         <p:spPr>
           <a:xfrm>
-            <a:off x="3261776" y="2626112"/>
-            <a:ext cx="914400" cy="914400"/>
+            <a:off x="3289610" y="2553629"/>
+            <a:ext cx="1016038" cy="1025911"/>
           </a:xfrm>
           <a:prstGeom prst="roundRect">
             <a:avLst>
-              <a:gd name="adj" fmla="val 8095"/>
+              <a:gd name="adj" fmla="val 16276"/>
             </a:avLst>
           </a:prstGeom>
           <a:solidFill>
@@ -3488,8 +3488,8 @@
         </p:nvSpPr>
         <p:spPr>
           <a:xfrm>
-            <a:off x="3413870" y="2345763"/>
-            <a:ext cx="872355" cy="1600438"/>
+            <a:off x="3468029" y="2372303"/>
+            <a:ext cx="837619" cy="1600438"/>
           </a:xfrm>
           <a:prstGeom prst="rect">
             <a:avLst/>
@@ -3497,7 +3497,7 @@
           <a:noFill/>
         </p:spPr>
         <p:txBody>
-          <a:bodyPr wrap="none" rtlCol="0">
+          <a:bodyPr wrap="square" rtlCol="0">
             <a:spAutoFit/>
           </a:bodyPr>
           <a:lstStyle/>
